--- a/Business Knowledge/Retail.pptx
+++ b/Business Knowledge/Retail.pptx
@@ -2974,10 +2974,10 @@
               <a:buNone/>
             </a:pPr>
             <a:r>
-              <a:rPr lang="en-GB" altLang="en-US"/>
-              <a:t>Retail is the process of selling consumer goods or services to customers through multiple channels of distribution to earn profit.</a:t>
-            </a:r>
-            <a:endParaRPr lang="en-GB" altLang="en-US"/>
+              <a:rPr lang="en-GB" altLang="en-US" sz="2000"/>
+              <a:t>Retail is the process of selling consumer goods or services to customers through multiple channels of distribution to earn profit. </a:t>
+            </a:r>
+            <a:endParaRPr lang="en-GB" altLang="en-US" sz="2000"/>
           </a:p>
           <a:p>
             <a:pPr marL="0" indent="0">
@@ -2986,7 +2986,11 @@
               </a:lnSpc>
               <a:buNone/>
             </a:pPr>
-            <a:endParaRPr lang="en-GB" altLang="en-US"/>
+            <a:r>
+              <a:rPr lang="en-GB" altLang="en-US" sz="2000"/>
+              <a:t>Forms of non-shop retailing include online retailing and mobile retailing, a type of e-Commerce and m-Commerce used for business to customer (B2C) transactions.</a:t>
+            </a:r>
+            <a:endParaRPr lang="en-GB" altLang="en-US" sz="2000"/>
           </a:p>
           <a:p>
             <a:pPr marL="0" indent="0">
@@ -2995,11 +2999,7 @@
               </a:lnSpc>
               <a:buNone/>
             </a:pPr>
-            <a:r>
-              <a:rPr lang="en-GB" altLang="en-US"/>
-              <a:t>Forms of non-shop retailing include online retailing and mobile retailing, a type of electronic commerce and mobile commerce used for business to customer (B2C) transactions.</a:t>
-            </a:r>
-            <a:endParaRPr lang="en-GB" altLang="en-US"/>
+            <a:endParaRPr lang="en-GB" altLang="en-US" sz="2000"/>
           </a:p>
           <a:p>
             <a:pPr marL="0" indent="0">
@@ -3008,7 +3008,22 @@
               </a:lnSpc>
               <a:buNone/>
             </a:pPr>
-            <a:endParaRPr lang="en-GB" altLang="en-US"/>
+            <a:r>
+              <a:rPr lang="en-GB" altLang="en-US" sz="2000" b="1">
+                <a:solidFill>
+                  <a:srgbClr val="00B050"/>
+                </a:solidFill>
+                <a:sym typeface="+mn-ea"/>
+              </a:rPr>
+              <a:t>Clients worked for:</a:t>
+            </a:r>
+            <a:r>
+              <a:rPr lang="en-GB" altLang="en-US" sz="2000">
+                <a:sym typeface="+mn-ea"/>
+              </a:rPr>
+              <a:t> RS Components, Tesco Plc</a:t>
+            </a:r>
+            <a:endParaRPr lang="en-GB" altLang="en-US" sz="2000"/>
           </a:p>
           <a:p>
             <a:pPr marL="0" indent="0">
@@ -3018,18 +3033,47 @@
               <a:buNone/>
             </a:pPr>
             <a:r>
-              <a:rPr lang="en-GB" altLang="en-US" b="1">
-                <a:solidFill>
-                  <a:srgbClr val="00B050"/>
-                </a:solidFill>
+              <a:rPr lang="en-GB" altLang="en-US" sz="2000"/>
+              <a:t>RS Components enabled users to shop and buy goods from RS Components online (</a:t>
+            </a:r>
+            <a:r>
+              <a:rPr lang="en-GB" altLang="en-US" sz="2000">
+                <a:sym typeface="+mn-ea"/>
               </a:rPr>
-              <a:t>Clients worked for:</a:t>
-            </a:r>
-            <a:r>
-              <a:rPr lang="en-GB" altLang="en-US"/>
-              <a:t> RS Components, Tesco Plc</a:t>
-            </a:r>
-            <a:endParaRPr lang="en-GB" altLang="en-US"/>
+              <a:t>e-Commerce B2C transactions).</a:t>
+            </a:r>
+            <a:endParaRPr lang="en-GB" altLang="en-US" sz="2000"/>
+          </a:p>
+          <a:p>
+            <a:pPr marL="0" indent="0">
+              <a:lnSpc>
+                <a:spcPct val="100000"/>
+              </a:lnSpc>
+              <a:buNone/>
+            </a:pPr>
+            <a:r>
+              <a:rPr lang="en-GB" altLang="en-US" sz="2000"/>
+              <a:t>Tesco Plc enabled users to shop and buy Tesco's goods online (e-Commerce &amp; m-Commerce B2C transactions)</a:t>
+            </a:r>
+            <a:endParaRPr lang="en-GB" altLang="en-US" sz="2000"/>
+          </a:p>
+          <a:p>
+            <a:pPr marL="0" indent="0">
+              <a:lnSpc>
+                <a:spcPct val="100000"/>
+              </a:lnSpc>
+              <a:buNone/>
+            </a:pPr>
+            <a:endParaRPr lang="en-GB" altLang="en-US" sz="2000"/>
+          </a:p>
+          <a:p>
+            <a:pPr marL="0" indent="0">
+              <a:lnSpc>
+                <a:spcPct val="100000"/>
+              </a:lnSpc>
+              <a:buNone/>
+            </a:pPr>
+            <a:endParaRPr lang="en-GB" altLang="en-US" sz="2000"/>
           </a:p>
         </p:txBody>
       </p:sp>
